--- a/Data Viz driving Positive Customer Feedback/Report Theme Design.pptx
+++ b/Data Viz driving Positive Customer Feedback/Report Theme Design.pptx
@@ -8,9 +8,10 @@
     <p:sldId id="256" r:id="rId2"/>
     <p:sldId id="263" r:id="rId3"/>
     <p:sldId id="257" r:id="rId4"/>
-    <p:sldId id="259" r:id="rId5"/>
-    <p:sldId id="262" r:id="rId6"/>
-    <p:sldId id="261" r:id="rId7"/>
+    <p:sldId id="264" r:id="rId5"/>
+    <p:sldId id="259" r:id="rId6"/>
+    <p:sldId id="262" r:id="rId7"/>
+    <p:sldId id="261" r:id="rId8"/>
   </p:sldIdLst>
   <p:sldSz cx="12192000" cy="6858000"/>
   <p:notesSz cx="6858000" cy="9144000"/>
@@ -266,7 +267,7 @@
           <a:p>
             <a:fld id="{A3CE450B-3F9D-436B-AA78-905EA34B397C}" type="datetimeFigureOut">
               <a:rPr lang="en-IE" smtClean="0"/>
-              <a:t>27/11/2023</a:t>
+              <a:t>28/11/2023</a:t>
             </a:fld>
             <a:endParaRPr lang="en-IE"/>
           </a:p>
@@ -466,7 +467,7 @@
           <a:p>
             <a:fld id="{A3CE450B-3F9D-436B-AA78-905EA34B397C}" type="datetimeFigureOut">
               <a:rPr lang="en-IE" smtClean="0"/>
-              <a:t>27/11/2023</a:t>
+              <a:t>28/11/2023</a:t>
             </a:fld>
             <a:endParaRPr lang="en-IE"/>
           </a:p>
@@ -676,7 +677,7 @@
           <a:p>
             <a:fld id="{A3CE450B-3F9D-436B-AA78-905EA34B397C}" type="datetimeFigureOut">
               <a:rPr lang="en-IE" smtClean="0"/>
-              <a:t>27/11/2023</a:t>
+              <a:t>28/11/2023</a:t>
             </a:fld>
             <a:endParaRPr lang="en-IE"/>
           </a:p>
@@ -876,7 +877,7 @@
           <a:p>
             <a:fld id="{A3CE450B-3F9D-436B-AA78-905EA34B397C}" type="datetimeFigureOut">
               <a:rPr lang="en-IE" smtClean="0"/>
-              <a:t>27/11/2023</a:t>
+              <a:t>28/11/2023</a:t>
             </a:fld>
             <a:endParaRPr lang="en-IE"/>
           </a:p>
@@ -1152,7 +1153,7 @@
           <a:p>
             <a:fld id="{A3CE450B-3F9D-436B-AA78-905EA34B397C}" type="datetimeFigureOut">
               <a:rPr lang="en-IE" smtClean="0"/>
-              <a:t>27/11/2023</a:t>
+              <a:t>28/11/2023</a:t>
             </a:fld>
             <a:endParaRPr lang="en-IE"/>
           </a:p>
@@ -1420,7 +1421,7 @@
           <a:p>
             <a:fld id="{A3CE450B-3F9D-436B-AA78-905EA34B397C}" type="datetimeFigureOut">
               <a:rPr lang="en-IE" smtClean="0"/>
-              <a:t>27/11/2023</a:t>
+              <a:t>28/11/2023</a:t>
             </a:fld>
             <a:endParaRPr lang="en-IE"/>
           </a:p>
@@ -1835,7 +1836,7 @@
           <a:p>
             <a:fld id="{A3CE450B-3F9D-436B-AA78-905EA34B397C}" type="datetimeFigureOut">
               <a:rPr lang="en-IE" smtClean="0"/>
-              <a:t>27/11/2023</a:t>
+              <a:t>28/11/2023</a:t>
             </a:fld>
             <a:endParaRPr lang="en-IE"/>
           </a:p>
@@ -1977,7 +1978,7 @@
           <a:p>
             <a:fld id="{A3CE450B-3F9D-436B-AA78-905EA34B397C}" type="datetimeFigureOut">
               <a:rPr lang="en-IE" smtClean="0"/>
-              <a:t>27/11/2023</a:t>
+              <a:t>28/11/2023</a:t>
             </a:fld>
             <a:endParaRPr lang="en-IE"/>
           </a:p>
@@ -2090,7 +2091,7 @@
           <a:p>
             <a:fld id="{A3CE450B-3F9D-436B-AA78-905EA34B397C}" type="datetimeFigureOut">
               <a:rPr lang="en-IE" smtClean="0"/>
-              <a:t>27/11/2023</a:t>
+              <a:t>28/11/2023</a:t>
             </a:fld>
             <a:endParaRPr lang="en-IE"/>
           </a:p>
@@ -2403,7 +2404,7 @@
           <a:p>
             <a:fld id="{A3CE450B-3F9D-436B-AA78-905EA34B397C}" type="datetimeFigureOut">
               <a:rPr lang="en-IE" smtClean="0"/>
-              <a:t>27/11/2023</a:t>
+              <a:t>28/11/2023</a:t>
             </a:fld>
             <a:endParaRPr lang="en-IE"/>
           </a:p>
@@ -2692,7 +2693,7 @@
           <a:p>
             <a:fld id="{A3CE450B-3F9D-436B-AA78-905EA34B397C}" type="datetimeFigureOut">
               <a:rPr lang="en-IE" smtClean="0"/>
-              <a:t>27/11/2023</a:t>
+              <a:t>28/11/2023</a:t>
             </a:fld>
             <a:endParaRPr lang="en-IE"/>
           </a:p>
@@ -2935,7 +2936,7 @@
           <a:p>
             <a:fld id="{A3CE450B-3F9D-436B-AA78-905EA34B397C}" type="datetimeFigureOut">
               <a:rPr lang="en-IE" smtClean="0"/>
-              <a:t>27/11/2023</a:t>
+              <a:t>28/11/2023</a:t>
             </a:fld>
             <a:endParaRPr lang="en-IE"/>
           </a:p>
@@ -3821,6 +3822,73 @@
       </p:grpSpPr>
       <p:pic>
         <p:nvPicPr>
+          <p:cNvPr id="3" name="Picture 2" descr="Smiling woman in office">
+            <a:extLst>
+              <a:ext uri="{FF2B5EF4-FFF2-40B4-BE49-F238E27FC236}">
+                <a16:creationId xmlns:a16="http://schemas.microsoft.com/office/drawing/2014/main" id="{FEE63F78-57EF-6FDF-94FB-2E2A5ABD9517}"/>
+              </a:ext>
+            </a:extLst>
+          </p:cNvPr>
+          <p:cNvPicPr>
+            <a:picLocks noChangeAspect="1"/>
+          </p:cNvPicPr>
+          <p:nvPr/>
+        </p:nvPicPr>
+        <p:blipFill>
+          <a:blip r:embed="rId2">
+            <a:alphaModFix amt="50000"/>
+            <a:extLst>
+              <a:ext uri="{28A0092B-C50C-407E-A947-70E740481C1C}">
+                <a14:useLocalDpi xmlns:a14="http://schemas.microsoft.com/office/drawing/2010/main" val="0"/>
+              </a:ext>
+            </a:extLst>
+          </a:blip>
+          <a:stretch>
+            <a:fillRect/>
+          </a:stretch>
+        </p:blipFill>
+        <p:spPr>
+          <a:xfrm>
+            <a:off x="1905000" y="0"/>
+            <a:ext cx="10287000" cy="6858000"/>
+          </a:xfrm>
+          <a:prstGeom prst="rect">
+            <a:avLst/>
+          </a:prstGeom>
+        </p:spPr>
+      </p:pic>
+    </p:spTree>
+    <p:extLst>
+      <p:ext uri="{BB962C8B-B14F-4D97-AF65-F5344CB8AC3E}">
+        <p14:creationId xmlns:p14="http://schemas.microsoft.com/office/powerpoint/2010/main" val="583953239"/>
+      </p:ext>
+    </p:extLst>
+  </p:cSld>
+  <p:clrMapOvr>
+    <a:masterClrMapping/>
+  </p:clrMapOvr>
+</p:sld>
+</file>
+
+<file path=ppt/slides/slide5.xml><?xml version="1.0" encoding="utf-8"?>
+<p:sld xmlns:a="http://schemas.openxmlformats.org/drawingml/2006/main" xmlns:r="http://schemas.openxmlformats.org/officeDocument/2006/relationships" xmlns:p="http://schemas.openxmlformats.org/presentationml/2006/main">
+  <p:cSld>
+    <p:spTree>
+      <p:nvGrpSpPr>
+        <p:cNvPr id="1" name=""/>
+        <p:cNvGrpSpPr/>
+        <p:nvPr/>
+      </p:nvGrpSpPr>
+      <p:grpSpPr>
+        <a:xfrm>
+          <a:off x="0" y="0"/>
+          <a:ext cx="0" cy="0"/>
+          <a:chOff x="0" y="0"/>
+          <a:chExt cx="0" cy="0"/>
+        </a:xfrm>
+      </p:grpSpPr>
+      <p:pic>
+        <p:nvPicPr>
           <p:cNvPr id="5" name="Picture 4" descr="Close-up of documents and charts">
             <a:extLst>
               <a:ext uri="{FF2B5EF4-FFF2-40B4-BE49-F238E27FC236}">
@@ -4023,7 +4091,7 @@
 </p:sld>
 </file>
 
-<file path=ppt/slides/slide5.xml><?xml version="1.0" encoding="utf-8"?>
+<file path=ppt/slides/slide6.xml><?xml version="1.0" encoding="utf-8"?>
 <p:sld xmlns:a="http://schemas.openxmlformats.org/drawingml/2006/main" xmlns:r="http://schemas.openxmlformats.org/officeDocument/2006/relationships" xmlns:p="http://schemas.openxmlformats.org/presentationml/2006/main">
   <p:cSld>
     <p:spTree>
@@ -4431,7 +4499,7 @@
 </p:sld>
 </file>
 
-<file path=ppt/slides/slide6.xml><?xml version="1.0" encoding="utf-8"?>
+<file path=ppt/slides/slide7.xml><?xml version="1.0" encoding="utf-8"?>
 <p:sld xmlns:a="http://schemas.openxmlformats.org/drawingml/2006/main" xmlns:r="http://schemas.openxmlformats.org/officeDocument/2006/relationships" xmlns:p="http://schemas.openxmlformats.org/presentationml/2006/main">
   <p:cSld>
     <p:spTree>
